--- a/System Programming/WEEK/Week3/04.IO.Direct.and.Buffered.IO.pptx
+++ b/System Programming/WEEK/Week3/04.IO.Direct.and.Buffered.IO.pptx
@@ -217,6 +217,35 @@
     </p:ext>
   </p:extLst>
 </p:presentation>
+</file>
+
+<file path=ppt/changesInfos/changesInfo1.xml><?xml version="1.0" encoding="utf-8"?>
+<pc:chgInfo xmlns:a="http://schemas.openxmlformats.org/drawingml/2006/main" xmlns:r="http://schemas.openxmlformats.org/officeDocument/2006/relationships" xmlns:ac="http://schemas.microsoft.com/office/drawing/2013/main/command" xmlns:pc="http://schemas.microsoft.com/office/powerpoint/2013/main/command">
+  <pc:docChgLst>
+    <pc:chgData name="은수 여" userId="168bdae620a9ea5e" providerId="LiveId" clId="{CB41FF26-B124-42C1-A9E2-297093368AEA}"/>
+    <pc:docChg chg="custSel modSld">
+      <pc:chgData name="은수 여" userId="168bdae620a9ea5e" providerId="LiveId" clId="{CB41FF26-B124-42C1-A9E2-297093368AEA}" dt="2025-03-19T10:48:10.788" v="82" actId="20577"/>
+      <pc:docMkLst>
+        <pc:docMk/>
+      </pc:docMkLst>
+      <pc:sldChg chg="modSp mod">
+        <pc:chgData name="은수 여" userId="168bdae620a9ea5e" providerId="LiveId" clId="{CB41FF26-B124-42C1-A9E2-297093368AEA}" dt="2025-03-19T10:48:10.788" v="82" actId="20577"/>
+        <pc:sldMkLst>
+          <pc:docMk/>
+          <pc:sldMk cId="633635995" sldId="476"/>
+        </pc:sldMkLst>
+        <pc:spChg chg="mod">
+          <ac:chgData name="은수 여" userId="168bdae620a9ea5e" providerId="LiveId" clId="{CB41FF26-B124-42C1-A9E2-297093368AEA}" dt="2025-03-19T10:48:10.788" v="82" actId="20577"/>
+          <ac:spMkLst>
+            <pc:docMk/>
+            <pc:sldMk cId="633635995" sldId="476"/>
+            <ac:spMk id="636933" creationId="{00000000-0000-0000-0000-000000000000}"/>
+          </ac:spMkLst>
+        </pc:spChg>
+      </pc:sldChg>
+    </pc:docChg>
+  </pc:docChgLst>
+</pc:chgInfo>
 </file>
 
 <file path=ppt/handoutMasters/handoutMaster1.xml><?xml version="1.0" encoding="utf-8"?>
@@ -9621,6 +9650,22 @@
               <a:rPr lang="en-US" dirty="0"/>
               <a:t> for read</a:t>
             </a:r>
+          </a:p>
+          <a:p>
+            <a:pPr lvl="1"/>
+            <a:r>
+              <a:rPr lang="en-US" dirty="0"/>
+              <a:t>Always check return value: </a:t>
+            </a:r>
+            <a:r>
+              <a:rPr lang="en-US" dirty="0" err="1"/>
+              <a:t>nbytes</a:t>
+            </a:r>
+            <a:r>
+              <a:rPr lang="ko-KR" altLang="en-US"/>
+              <a:t>가 이상한 값 가져올 수도 있음</a:t>
+            </a:r>
+            <a:endParaRPr lang="en-US" dirty="0"/>
           </a:p>
           <a:p>
             <a:pPr lvl="1"/>
@@ -25122,12 +25167,8 @@
           <a:p>
             <a:pPr lvl="1"/>
             <a:r>
-              <a:rPr lang="en-US"/>
-              <a:t>by </a:t>
-            </a:r>
-            <a:r>
               <a:rPr lang="en-US" dirty="0"/>
-              <a:t>default, these file descriptors are connected to the terminal and used for input, output, and error output</a:t>
+              <a:t>by default, these file descriptors are connected to the terminal and used for input, output, and error output</a:t>
             </a:r>
           </a:p>
           <a:p>
